--- a/SEPA.pptx
+++ b/SEPA.pptx
@@ -5,14 +5,15 @@
     <p:sldMasterId id="2147483696" r:id="rId4"/>
   </p:sldMasterIdLst>
   <p:notesMasterIdLst>
-    <p:notesMasterId r:id="rId10"/>
+    <p:notesMasterId r:id="rId11"/>
   </p:notesMasterIdLst>
   <p:sldIdLst>
     <p:sldId id="256" r:id="rId5"/>
-    <p:sldId id="266" r:id="rId6"/>
-    <p:sldId id="265" r:id="rId7"/>
-    <p:sldId id="264" r:id="rId8"/>
-    <p:sldId id="267" r:id="rId9"/>
+    <p:sldId id="268" r:id="rId6"/>
+    <p:sldId id="266" r:id="rId7"/>
+    <p:sldId id="265" r:id="rId8"/>
+    <p:sldId id="264" r:id="rId9"/>
+    <p:sldId id="267" r:id="rId10"/>
   </p:sldIdLst>
   <p:sldSz cx="12192000" cy="6858000"/>
   <p:notesSz cx="6858000" cy="9144000"/>
@@ -117,6 +118,7 @@
         <p14:section name="Standardabschnitt" id="{C2D455AF-52C6-44D6-B615-966E3FB27196}">
           <p14:sldIdLst>
             <p14:sldId id="256"/>
+            <p14:sldId id="268"/>
             <p14:sldId id="266"/>
           </p14:sldIdLst>
         </p14:section>
@@ -3646,47 +3648,6 @@
           </a:p>
         </p:txBody>
       </p:sp>
-      <p:pic>
-        <p:nvPicPr>
-          <p:cNvPr id="1026" name="Picture 2" descr="Bildergebnis für neuronen"/>
-          <p:cNvPicPr>
-            <a:picLocks noChangeAspect="1" noChangeArrowheads="1"/>
-          </p:cNvPicPr>
-          <p:nvPr/>
-        </p:nvPicPr>
-        <p:blipFill>
-          <a:blip r:embed="rId2">
-            <a:extLst>
-              <a:ext uri="{28A0092B-C50C-407E-A947-70E740481C1C}">
-                <a14:useLocalDpi xmlns:a14="http://schemas.microsoft.com/office/drawing/2010/main" val="0"/>
-              </a:ext>
-            </a:extLst>
-          </a:blip>
-          <a:srcRect/>
-          <a:stretch>
-            <a:fillRect/>
-          </a:stretch>
-        </p:blipFill>
-        <p:spPr bwMode="auto">
-          <a:xfrm>
-            <a:off x="1600200" y="4352544"/>
-            <a:ext cx="3329225" cy="2084927"/>
-          </a:xfrm>
-          <a:prstGeom prst="rect">
-            <a:avLst/>
-          </a:prstGeom>
-          <a:noFill/>
-          <a:extLst>
-            <a:ext uri="{909E8E84-426E-40DD-AFC4-6F175D3DCCD1}">
-              <a14:hiddenFill xmlns:a14="http://schemas.microsoft.com/office/drawing/2010/main">
-                <a:solidFill>
-                  <a:srgbClr val="FFFFFF"/>
-                </a:solidFill>
-              </a14:hiddenFill>
-            </a:ext>
-          </a:extLst>
-        </p:spPr>
-      </p:pic>
       <p:grpSp>
         <p:nvGrpSpPr>
           <p:cNvPr id="5" name="Gruppieren 4"/>
@@ -4996,6 +4957,96 @@
       </p:grpSpPr>
       <p:sp>
         <p:nvSpPr>
+          <p:cNvPr id="3" name="Inhaltsplatzhalter 2"/>
+          <p:cNvSpPr>
+            <a:spLocks noGrp="1"/>
+          </p:cNvSpPr>
+          <p:nvPr>
+            <p:ph idx="1"/>
+          </p:nvPr>
+        </p:nvSpPr>
+        <p:spPr/>
+        <p:txBody>
+          <a:bodyPr/>
+          <a:lstStyle/>
+          <a:p>
+            <a:endParaRPr lang="de-DE"/>
+          </a:p>
+        </p:txBody>
+      </p:sp>
+      <p:pic>
+        <p:nvPicPr>
+          <p:cNvPr id="4" name="Picture 2" descr="Bildergebnis für neuronen"/>
+          <p:cNvPicPr>
+            <a:picLocks noChangeAspect="1" noChangeArrowheads="1"/>
+          </p:cNvPicPr>
+          <p:nvPr/>
+        </p:nvPicPr>
+        <p:blipFill>
+          <a:blip r:embed="rId2">
+            <a:extLst>
+              <a:ext uri="{28A0092B-C50C-407E-A947-70E740481C1C}">
+                <a14:useLocalDpi xmlns:a14="http://schemas.microsoft.com/office/drawing/2010/main" val="0"/>
+              </a:ext>
+            </a:extLst>
+          </a:blip>
+          <a:srcRect/>
+          <a:stretch>
+            <a:fillRect/>
+          </a:stretch>
+        </p:blipFill>
+        <p:spPr bwMode="auto">
+          <a:xfrm>
+            <a:off x="2231136" y="1273580"/>
+            <a:ext cx="7346973" cy="4601041"/>
+          </a:xfrm>
+          <a:prstGeom prst="rect">
+            <a:avLst/>
+          </a:prstGeom>
+          <a:noFill/>
+          <a:extLst>
+            <a:ext uri="{909E8E84-426E-40DD-AFC4-6F175D3DCCD1}">
+              <a14:hiddenFill xmlns:a14="http://schemas.microsoft.com/office/drawing/2010/main">
+                <a:solidFill>
+                  <a:srgbClr val="FFFFFF"/>
+                </a:solidFill>
+              </a14:hiddenFill>
+            </a:ext>
+          </a:extLst>
+        </p:spPr>
+      </p:pic>
+    </p:spTree>
+    <p:extLst>
+      <p:ext uri="{BB962C8B-B14F-4D97-AF65-F5344CB8AC3E}">
+        <p14:creationId xmlns:p14="http://schemas.microsoft.com/office/powerpoint/2010/main" val="3542711103"/>
+      </p:ext>
+    </p:extLst>
+  </p:cSld>
+  <p:clrMapOvr>
+    <a:masterClrMapping/>
+  </p:clrMapOvr>
+</p:sld>
+</file>
+
+<file path=ppt/slides/slide3.xml><?xml version="1.0" encoding="utf-8"?>
+<p:sld xmlns:a="http://schemas.openxmlformats.org/drawingml/2006/main" xmlns:r="http://schemas.openxmlformats.org/officeDocument/2006/relationships" xmlns:p="http://schemas.openxmlformats.org/presentationml/2006/main">
+  <p:cSld>
+    <p:spTree>
+      <p:nvGrpSpPr>
+        <p:cNvPr id="1" name=""/>
+        <p:cNvGrpSpPr/>
+        <p:nvPr/>
+      </p:nvGrpSpPr>
+      <p:grpSpPr>
+        <a:xfrm>
+          <a:off x="0" y="0"/>
+          <a:ext cx="0" cy="0"/>
+          <a:chOff x="0" y="0"/>
+          <a:chExt cx="0" cy="0"/>
+        </a:xfrm>
+      </p:grpSpPr>
+      <p:sp>
+        <p:nvSpPr>
           <p:cNvPr id="2" name="Titel 1"/>
           <p:cNvSpPr>
             <a:spLocks noGrp="1"/>
@@ -6595,7 +6646,7 @@
 </p:sld>
 </file>
 
-<file path=ppt/slides/slide3.xml><?xml version="1.0" encoding="utf-8"?>
+<file path=ppt/slides/slide4.xml><?xml version="1.0" encoding="utf-8"?>
 <p:sld xmlns:a="http://schemas.openxmlformats.org/drawingml/2006/main" xmlns:r="http://schemas.openxmlformats.org/officeDocument/2006/relationships" xmlns:p="http://schemas.openxmlformats.org/presentationml/2006/main">
   <p:cSld>
     <p:bg>
@@ -7846,7 +7897,7 @@
 </p:sld>
 </file>
 
-<file path=ppt/slides/slide4.xml><?xml version="1.0" encoding="utf-8"?>
+<file path=ppt/slides/slide5.xml><?xml version="1.0" encoding="utf-8"?>
 <p:sld xmlns:a="http://schemas.openxmlformats.org/drawingml/2006/main" xmlns:r="http://schemas.openxmlformats.org/officeDocument/2006/relationships" xmlns:p="http://schemas.openxmlformats.org/presentationml/2006/main">
   <p:cSld>
     <p:spTree>
@@ -9199,7 +9250,7 @@
 </p:sld>
 </file>
 
-<file path=ppt/slides/slide5.xml><?xml version="1.0" encoding="utf-8"?>
+<file path=ppt/slides/slide6.xml><?xml version="1.0" encoding="utf-8"?>
 <p:sld xmlns:a="http://schemas.openxmlformats.org/drawingml/2006/main" xmlns:r="http://schemas.openxmlformats.org/officeDocument/2006/relationships" xmlns:p="http://schemas.openxmlformats.org/presentationml/2006/main">
   <p:cSld>
     <p:spTree>
@@ -10505,7 +10556,7 @@
 
 <file path=customXml/item1.xml><?xml version="1.0" encoding="utf-8"?>
 <Control xmlns="http://schemas.microsoft.com/VisualStudio/2011/storyboarding/control">
-  <Id Name="System.Storyboarding.Annotation.AnimatedBanner" Revision="1" Stencil="System.Storyboarding.Annotation" StencilVersion="0.1"/>
+  <Id Name="System.Storyboarding.Backgrounds.DesktopTaskbar" Revision="1" Stencil="System.Storyboarding.Backgrounds" StencilVersion="0.1"/>
 </Control>
 </file>
 
@@ -10517,12 +10568,12 @@
 
 <file path=customXml/item3.xml><?xml version="1.0" encoding="utf-8"?>
 <Control xmlns="http://schemas.microsoft.com/VisualStudio/2011/storyboarding/control">
-  <Id Name="System.Storyboarding.Backgrounds.DesktopTaskbar" Revision="1" Stencil="System.Storyboarding.Backgrounds" StencilVersion="0.1"/>
+  <Id Name="System.Storyboarding.Annotation.AnimatedBanner" Revision="1" Stencil="System.Storyboarding.Annotation" StencilVersion="0.1"/>
 </Control>
 </file>
 
 <file path=customXml/itemProps1.xml><?xml version="1.0" encoding="utf-8"?>
-<ds:datastoreItem xmlns:ds="http://schemas.openxmlformats.org/officeDocument/2006/customXml" ds:itemID="{1386D501-B25E-4C08-BDF5-5C438F72CD33}">
+<ds:datastoreItem xmlns:ds="http://schemas.openxmlformats.org/officeDocument/2006/customXml" ds:itemID="{0F6A5D32-DA03-4467-9ED3-DD2CC5155D74}">
   <ds:schemaRefs>
     <ds:schemaRef ds:uri="http://schemas.microsoft.com/VisualStudio/2011/storyboarding/control"/>
   </ds:schemaRefs>
@@ -10538,7 +10589,7 @@
 </file>
 
 <file path=customXml/itemProps3.xml><?xml version="1.0" encoding="utf-8"?>
-<ds:datastoreItem xmlns:ds="http://schemas.openxmlformats.org/officeDocument/2006/customXml" ds:itemID="{0F6A5D32-DA03-4467-9ED3-DD2CC5155D74}">
+<ds:datastoreItem xmlns:ds="http://schemas.openxmlformats.org/officeDocument/2006/customXml" ds:itemID="{1386D501-B25E-4C08-BDF5-5C438F72CD33}">
   <ds:schemaRefs>
     <ds:schemaRef ds:uri="http://schemas.microsoft.com/VisualStudio/2011/storyboarding/control"/>
   </ds:schemaRefs>

--- a/SEPA.pptx
+++ b/SEPA.pptx
@@ -6643,6 +6643,321 @@
   <p:clrMapOvr>
     <a:masterClrMapping/>
   </p:clrMapOvr>
+  <p:timing>
+    <p:tnLst>
+      <p:par>
+        <p:cTn id="1" dur="indefinite" restart="never" nodeType="tmRoot">
+          <p:childTnLst>
+            <p:seq concurrent="1" nextAc="seek">
+              <p:cTn id="2" dur="indefinite" nodeType="mainSeq">
+                <p:childTnLst>
+                  <p:par>
+                    <p:cTn id="3" fill="hold">
+                      <p:stCondLst>
+                        <p:cond delay="indefinite"/>
+                      </p:stCondLst>
+                      <p:childTnLst>
+                        <p:par>
+                          <p:cTn id="4" fill="hold">
+                            <p:stCondLst>
+                              <p:cond delay="0"/>
+                            </p:stCondLst>
+                            <p:childTnLst>
+                              <p:par>
+                                <p:cTn id="5" presetID="10" presetClass="entr" presetSubtype="0" fill="hold" grpId="0" nodeType="clickEffect">
+                                  <p:stCondLst>
+                                    <p:cond delay="0"/>
+                                  </p:stCondLst>
+                                  <p:childTnLst>
+                                    <p:set>
+                                      <p:cBhvr>
+                                        <p:cTn id="6" dur="1" fill="hold">
+                                          <p:stCondLst>
+                                            <p:cond delay="0"/>
+                                          </p:stCondLst>
+                                        </p:cTn>
+                                        <p:tgtEl>
+                                          <p:spTgt spid="39"/>
+                                        </p:tgtEl>
+                                        <p:attrNameLst>
+                                          <p:attrName>style.visibility</p:attrName>
+                                        </p:attrNameLst>
+                                      </p:cBhvr>
+                                      <p:to>
+                                        <p:strVal val="visible"/>
+                                      </p:to>
+                                    </p:set>
+                                    <p:animEffect transition="in" filter="fade">
+                                      <p:cBhvr>
+                                        <p:cTn id="7" dur="500"/>
+                                        <p:tgtEl>
+                                          <p:spTgt spid="39"/>
+                                        </p:tgtEl>
+                                      </p:cBhvr>
+                                    </p:animEffect>
+                                  </p:childTnLst>
+                                </p:cTn>
+                              </p:par>
+                              <p:par>
+                                <p:cTn id="8" presetID="10" presetClass="entr" presetSubtype="0" fill="hold" nodeType="withEffect">
+                                  <p:stCondLst>
+                                    <p:cond delay="0"/>
+                                  </p:stCondLst>
+                                  <p:childTnLst>
+                                    <p:set>
+                                      <p:cBhvr>
+                                        <p:cTn id="9" dur="1" fill="hold">
+                                          <p:stCondLst>
+                                            <p:cond delay="0"/>
+                                          </p:stCondLst>
+                                        </p:cTn>
+                                        <p:tgtEl>
+                                          <p:spTgt spid="45"/>
+                                        </p:tgtEl>
+                                        <p:attrNameLst>
+                                          <p:attrName>style.visibility</p:attrName>
+                                        </p:attrNameLst>
+                                      </p:cBhvr>
+                                      <p:to>
+                                        <p:strVal val="visible"/>
+                                      </p:to>
+                                    </p:set>
+                                    <p:animEffect transition="in" filter="fade">
+                                      <p:cBhvr>
+                                        <p:cTn id="10" dur="500"/>
+                                        <p:tgtEl>
+                                          <p:spTgt spid="45"/>
+                                        </p:tgtEl>
+                                      </p:cBhvr>
+                                    </p:animEffect>
+                                  </p:childTnLst>
+                                </p:cTn>
+                              </p:par>
+                              <p:par>
+                                <p:cTn id="11" presetID="10" presetClass="entr" presetSubtype="0" fill="hold" nodeType="withEffect">
+                                  <p:stCondLst>
+                                    <p:cond delay="0"/>
+                                  </p:stCondLst>
+                                  <p:childTnLst>
+                                    <p:set>
+                                      <p:cBhvr>
+                                        <p:cTn id="12" dur="1" fill="hold">
+                                          <p:stCondLst>
+                                            <p:cond delay="0"/>
+                                          </p:stCondLst>
+                                        </p:cTn>
+                                        <p:tgtEl>
+                                          <p:spTgt spid="43"/>
+                                        </p:tgtEl>
+                                        <p:attrNameLst>
+                                          <p:attrName>style.visibility</p:attrName>
+                                        </p:attrNameLst>
+                                      </p:cBhvr>
+                                      <p:to>
+                                        <p:strVal val="visible"/>
+                                      </p:to>
+                                    </p:set>
+                                    <p:animEffect transition="in" filter="fade">
+                                      <p:cBhvr>
+                                        <p:cTn id="13" dur="500"/>
+                                        <p:tgtEl>
+                                          <p:spTgt spid="43"/>
+                                        </p:tgtEl>
+                                      </p:cBhvr>
+                                    </p:animEffect>
+                                  </p:childTnLst>
+                                </p:cTn>
+                              </p:par>
+                              <p:par>
+                                <p:cTn id="14" presetID="10" presetClass="entr" presetSubtype="0" fill="hold" nodeType="withEffect">
+                                  <p:stCondLst>
+                                    <p:cond delay="0"/>
+                                  </p:stCondLst>
+                                  <p:childTnLst>
+                                    <p:set>
+                                      <p:cBhvr>
+                                        <p:cTn id="15" dur="1" fill="hold">
+                                          <p:stCondLst>
+                                            <p:cond delay="0"/>
+                                          </p:stCondLst>
+                                        </p:cTn>
+                                        <p:tgtEl>
+                                          <p:spTgt spid="41"/>
+                                        </p:tgtEl>
+                                        <p:attrNameLst>
+                                          <p:attrName>style.visibility</p:attrName>
+                                        </p:attrNameLst>
+                                      </p:cBhvr>
+                                      <p:to>
+                                        <p:strVal val="visible"/>
+                                      </p:to>
+                                    </p:set>
+                                    <p:animEffect transition="in" filter="fade">
+                                      <p:cBhvr>
+                                        <p:cTn id="16" dur="500"/>
+                                        <p:tgtEl>
+                                          <p:spTgt spid="41"/>
+                                        </p:tgtEl>
+                                      </p:cBhvr>
+                                    </p:animEffect>
+                                  </p:childTnLst>
+                                </p:cTn>
+                              </p:par>
+                            </p:childTnLst>
+                          </p:cTn>
+                        </p:par>
+                      </p:childTnLst>
+                    </p:cTn>
+                  </p:par>
+                  <p:par>
+                    <p:cTn id="17" fill="hold">
+                      <p:stCondLst>
+                        <p:cond delay="indefinite"/>
+                      </p:stCondLst>
+                      <p:childTnLst>
+                        <p:par>
+                          <p:cTn id="18" fill="hold">
+                            <p:stCondLst>
+                              <p:cond delay="0"/>
+                            </p:stCondLst>
+                            <p:childTnLst>
+                              <p:par>
+                                <p:cTn id="19" presetID="10" presetClass="entr" presetSubtype="0" fill="hold" nodeType="clickEffect">
+                                  <p:stCondLst>
+                                    <p:cond delay="0"/>
+                                  </p:stCondLst>
+                                  <p:childTnLst>
+                                    <p:set>
+                                      <p:cBhvr>
+                                        <p:cTn id="20" dur="1" fill="hold">
+                                          <p:stCondLst>
+                                            <p:cond delay="0"/>
+                                          </p:stCondLst>
+                                        </p:cTn>
+                                        <p:tgtEl>
+                                          <p:spTgt spid="63"/>
+                                        </p:tgtEl>
+                                        <p:attrNameLst>
+                                          <p:attrName>style.visibility</p:attrName>
+                                        </p:attrNameLst>
+                                      </p:cBhvr>
+                                      <p:to>
+                                        <p:strVal val="visible"/>
+                                      </p:to>
+                                    </p:set>
+                                    <p:animEffect transition="in" filter="fade">
+                                      <p:cBhvr>
+                                        <p:cTn id="21" dur="500"/>
+                                        <p:tgtEl>
+                                          <p:spTgt spid="63"/>
+                                        </p:tgtEl>
+                                      </p:cBhvr>
+                                    </p:animEffect>
+                                  </p:childTnLst>
+                                </p:cTn>
+                              </p:par>
+                              <p:par>
+                                <p:cTn id="22" presetID="10" presetClass="entr" presetSubtype="0" fill="hold" nodeType="withEffect">
+                                  <p:stCondLst>
+                                    <p:cond delay="0"/>
+                                  </p:stCondLst>
+                                  <p:childTnLst>
+                                    <p:set>
+                                      <p:cBhvr>
+                                        <p:cTn id="23" dur="1" fill="hold">
+                                          <p:stCondLst>
+                                            <p:cond delay="0"/>
+                                          </p:stCondLst>
+                                        </p:cTn>
+                                        <p:tgtEl>
+                                          <p:spTgt spid="16"/>
+                                        </p:tgtEl>
+                                        <p:attrNameLst>
+                                          <p:attrName>style.visibility</p:attrName>
+                                        </p:attrNameLst>
+                                      </p:cBhvr>
+                                      <p:to>
+                                        <p:strVal val="visible"/>
+                                      </p:to>
+                                    </p:set>
+                                    <p:animEffect transition="in" filter="fade">
+                                      <p:cBhvr>
+                                        <p:cTn id="24" dur="500"/>
+                                        <p:tgtEl>
+                                          <p:spTgt spid="16"/>
+                                        </p:tgtEl>
+                                      </p:cBhvr>
+                                    </p:animEffect>
+                                  </p:childTnLst>
+                                </p:cTn>
+                              </p:par>
+                              <p:par>
+                                <p:cTn id="25" presetID="10" presetClass="entr" presetSubtype="0" fill="hold" grpId="0" nodeType="withEffect">
+                                  <p:stCondLst>
+                                    <p:cond delay="0"/>
+                                  </p:stCondLst>
+                                  <p:childTnLst>
+                                    <p:set>
+                                      <p:cBhvr>
+                                        <p:cTn id="26" dur="1" fill="hold">
+                                          <p:stCondLst>
+                                            <p:cond delay="0"/>
+                                          </p:stCondLst>
+                                        </p:cTn>
+                                        <p:tgtEl>
+                                          <p:spTgt spid="47"/>
+                                        </p:tgtEl>
+                                        <p:attrNameLst>
+                                          <p:attrName>style.visibility</p:attrName>
+                                        </p:attrNameLst>
+                                      </p:cBhvr>
+                                      <p:to>
+                                        <p:strVal val="visible"/>
+                                      </p:to>
+                                    </p:set>
+                                    <p:animEffect transition="in" filter="fade">
+                                      <p:cBhvr>
+                                        <p:cTn id="27" dur="500"/>
+                                        <p:tgtEl>
+                                          <p:spTgt spid="47"/>
+                                        </p:tgtEl>
+                                      </p:cBhvr>
+                                    </p:animEffect>
+                                  </p:childTnLst>
+                                </p:cTn>
+                              </p:par>
+                            </p:childTnLst>
+                          </p:cTn>
+                        </p:par>
+                      </p:childTnLst>
+                    </p:cTn>
+                  </p:par>
+                </p:childTnLst>
+              </p:cTn>
+              <p:prevCondLst>
+                <p:cond evt="onPrev" delay="0">
+                  <p:tgtEl>
+                    <p:sldTgt/>
+                  </p:tgtEl>
+                </p:cond>
+              </p:prevCondLst>
+              <p:nextCondLst>
+                <p:cond evt="onNext" delay="0">
+                  <p:tgtEl>
+                    <p:sldTgt/>
+                  </p:tgtEl>
+                </p:cond>
+              </p:nextCondLst>
+            </p:seq>
+          </p:childTnLst>
+        </p:cTn>
+      </p:par>
+    </p:tnLst>
+    <p:bldLst>
+      <p:bldP spid="39" grpId="0" animBg="1"/>
+      <p:bldP spid="47" grpId="0" animBg="1"/>
+    </p:bldLst>
+  </p:timing>
 </p:sld>
 </file>
 
@@ -7158,7 +7473,7 @@
         <p:spPr>
           <a:xfrm>
             <a:off x="6450227" y="4074745"/>
-            <a:ext cx="1721946" cy="369332"/>
+            <a:ext cx="1519968" cy="369332"/>
           </a:xfrm>
           <a:prstGeom prst="rect">
             <a:avLst/>
@@ -7173,7 +7488,7 @@
           <a:p>
             <a:r>
               <a:rPr lang="de-DE" dirty="0"/>
-              <a:t>a(i) = w</a:t>
+              <a:t>a = w</a:t>
             </a:r>
             <a:r>
               <a:rPr lang="de-DE" baseline="-25000" dirty="0"/>
@@ -7202,7 +7517,36 @@
         </p:nvSpPr>
         <p:spPr>
           <a:xfrm>
-            <a:off x="4286335" y="4829377"/>
+            <a:off x="4339682" y="4849362"/>
+            <a:ext cx="1115370" cy="369332"/>
+          </a:xfrm>
+          <a:prstGeom prst="rect">
+            <a:avLst/>
+          </a:prstGeom>
+          <a:noFill/>
+        </p:spPr>
+        <p:txBody>
+          <a:bodyPr wrap="none" rtlCol="0">
+            <a:spAutoFit/>
+          </a:bodyPr>
+          <a:lstStyle/>
+          <a:p>
+            <a:r>
+              <a:rPr lang="de-DE" dirty="0"/>
+              <a:t>b = [-1, 1]</a:t>
+            </a:r>
+          </a:p>
+        </p:txBody>
+      </p:sp>
+      <p:sp>
+        <p:nvSpPr>
+          <p:cNvPr id="17" name="Textfeld 16"/>
+          <p:cNvSpPr txBox="1"/>
+          <p:nvPr/>
+        </p:nvSpPr>
+        <p:spPr>
+          <a:xfrm>
+            <a:off x="4283933" y="5218765"/>
             <a:ext cx="1166666" cy="369332"/>
           </a:xfrm>
           <a:prstGeom prst="rect">
@@ -7219,35 +7563,6 @@
             <a:r>
               <a:rPr lang="de-DE" dirty="0"/>
               <a:t>w = [-1, 1]</a:t>
-            </a:r>
-          </a:p>
-        </p:txBody>
-      </p:sp>
-      <p:sp>
-        <p:nvSpPr>
-          <p:cNvPr id="17" name="Textfeld 16"/>
-          <p:cNvSpPr txBox="1"/>
-          <p:nvPr/>
-        </p:nvSpPr>
-        <p:spPr>
-          <a:xfrm>
-            <a:off x="4335229" y="5208738"/>
-            <a:ext cx="1115370" cy="369332"/>
-          </a:xfrm>
-          <a:prstGeom prst="rect">
-            <a:avLst/>
-          </a:prstGeom>
-          <a:noFill/>
-        </p:spPr>
-        <p:txBody>
-          <a:bodyPr wrap="none" rtlCol="0">
-            <a:spAutoFit/>
-          </a:bodyPr>
-          <a:lstStyle/>
-          <a:p>
-            <a:r>
-              <a:rPr lang="de-DE" dirty="0"/>
-              <a:t>b = [-1, 1]</a:t>
             </a:r>
           </a:p>
         </p:txBody>
@@ -7278,6 +7593,46 @@
               <a:rPr lang="de-DE" dirty="0"/>
               <a:t>i = {-1, 1}</a:t>
             </a:r>
+          </a:p>
+        </p:txBody>
+      </p:sp>
+      <p:sp>
+        <p:nvSpPr>
+          <p:cNvPr id="26" name="Ellipse 25"/>
+          <p:cNvSpPr/>
+          <p:nvPr/>
+        </p:nvSpPr>
+        <p:spPr>
+          <a:xfrm>
+            <a:off x="5738190" y="5386729"/>
+            <a:ext cx="540181" cy="545538"/>
+          </a:xfrm>
+          <a:prstGeom prst="ellipse">
+            <a:avLst/>
+          </a:prstGeom>
+        </p:spPr>
+        <p:style>
+          <a:lnRef idx="2">
+            <a:schemeClr val="accent4">
+              <a:shade val="50000"/>
+            </a:schemeClr>
+          </a:lnRef>
+          <a:fillRef idx="1">
+            <a:schemeClr val="accent4"/>
+          </a:fillRef>
+          <a:effectRef idx="0">
+            <a:schemeClr val="accent4"/>
+          </a:effectRef>
+          <a:fontRef idx="minor">
+            <a:schemeClr val="lt1"/>
+          </a:fontRef>
+        </p:style>
+        <p:txBody>
+          <a:bodyPr rtlCol="0" anchor="ctr"/>
+          <a:lstStyle/>
+          <a:p>
+            <a:pPr algn="ctr"/>
+            <a:endParaRPr lang="de-DE" sz="1400" dirty="0"/>
           </a:p>
         </p:txBody>
       </p:sp>
@@ -7862,6 +8217,271 @@
                       </p:childTnLst>
                     </p:cTn>
                   </p:par>
+                  <p:par>
+                    <p:cTn id="54" fill="hold">
+                      <p:stCondLst>
+                        <p:cond delay="indefinite"/>
+                      </p:stCondLst>
+                      <p:childTnLst>
+                        <p:par>
+                          <p:cTn id="55" fill="hold">
+                            <p:stCondLst>
+                              <p:cond delay="0"/>
+                            </p:stCondLst>
+                            <p:childTnLst>
+                              <p:par>
+                                <p:cTn id="56" presetID="10" presetClass="entr" presetSubtype="0" fill="hold" grpId="0" nodeType="clickEffect">
+                                  <p:stCondLst>
+                                    <p:cond delay="0"/>
+                                  </p:stCondLst>
+                                  <p:childTnLst>
+                                    <p:set>
+                                      <p:cBhvr>
+                                        <p:cTn id="57" dur="1" fill="hold">
+                                          <p:stCondLst>
+                                            <p:cond delay="0"/>
+                                          </p:stCondLst>
+                                        </p:cTn>
+                                        <p:tgtEl>
+                                          <p:spTgt spid="3"/>
+                                        </p:tgtEl>
+                                        <p:attrNameLst>
+                                          <p:attrName>style.visibility</p:attrName>
+                                        </p:attrNameLst>
+                                      </p:cBhvr>
+                                      <p:to>
+                                        <p:strVal val="visible"/>
+                                      </p:to>
+                                    </p:set>
+                                    <p:animEffect transition="in" filter="fade">
+                                      <p:cBhvr>
+                                        <p:cTn id="58" dur="500"/>
+                                        <p:tgtEl>
+                                          <p:spTgt spid="3"/>
+                                        </p:tgtEl>
+                                      </p:cBhvr>
+                                    </p:animEffect>
+                                  </p:childTnLst>
+                                </p:cTn>
+                              </p:par>
+                            </p:childTnLst>
+                          </p:cTn>
+                        </p:par>
+                      </p:childTnLst>
+                    </p:cTn>
+                  </p:par>
+                  <p:par>
+                    <p:cTn id="59" fill="hold">
+                      <p:stCondLst>
+                        <p:cond delay="indefinite"/>
+                      </p:stCondLst>
+                      <p:childTnLst>
+                        <p:par>
+                          <p:cTn id="60" fill="hold">
+                            <p:stCondLst>
+                              <p:cond delay="0"/>
+                            </p:stCondLst>
+                            <p:childTnLst>
+                              <p:par>
+                                <p:cTn id="61" presetID="10" presetClass="entr" presetSubtype="0" fill="hold" grpId="0" nodeType="clickEffect">
+                                  <p:stCondLst>
+                                    <p:cond delay="0"/>
+                                  </p:stCondLst>
+                                  <p:childTnLst>
+                                    <p:set>
+                                      <p:cBhvr>
+                                        <p:cTn id="62" dur="1" fill="hold">
+                                          <p:stCondLst>
+                                            <p:cond delay="0"/>
+                                          </p:stCondLst>
+                                        </p:cTn>
+                                        <p:tgtEl>
+                                          <p:spTgt spid="16"/>
+                                        </p:tgtEl>
+                                        <p:attrNameLst>
+                                          <p:attrName>style.visibility</p:attrName>
+                                        </p:attrNameLst>
+                                      </p:cBhvr>
+                                      <p:to>
+                                        <p:strVal val="visible"/>
+                                      </p:to>
+                                    </p:set>
+                                    <p:animEffect transition="in" filter="fade">
+                                      <p:cBhvr>
+                                        <p:cTn id="63" dur="500"/>
+                                        <p:tgtEl>
+                                          <p:spTgt spid="16"/>
+                                        </p:tgtEl>
+                                      </p:cBhvr>
+                                    </p:animEffect>
+                                  </p:childTnLst>
+                                </p:cTn>
+                              </p:par>
+                            </p:childTnLst>
+                          </p:cTn>
+                        </p:par>
+                      </p:childTnLst>
+                    </p:cTn>
+                  </p:par>
+                  <p:par>
+                    <p:cTn id="64" fill="hold">
+                      <p:stCondLst>
+                        <p:cond delay="indefinite"/>
+                      </p:stCondLst>
+                      <p:childTnLst>
+                        <p:par>
+                          <p:cTn id="65" fill="hold">
+                            <p:stCondLst>
+                              <p:cond delay="0"/>
+                            </p:stCondLst>
+                            <p:childTnLst>
+                              <p:par>
+                                <p:cTn id="66" presetID="10" presetClass="entr" presetSubtype="0" fill="hold" grpId="0" nodeType="clickEffect">
+                                  <p:stCondLst>
+                                    <p:cond delay="0"/>
+                                  </p:stCondLst>
+                                  <p:childTnLst>
+                                    <p:set>
+                                      <p:cBhvr>
+                                        <p:cTn id="67" dur="1" fill="hold">
+                                          <p:stCondLst>
+                                            <p:cond delay="0"/>
+                                          </p:stCondLst>
+                                        </p:cTn>
+                                        <p:tgtEl>
+                                          <p:spTgt spid="17"/>
+                                        </p:tgtEl>
+                                        <p:attrNameLst>
+                                          <p:attrName>style.visibility</p:attrName>
+                                        </p:attrNameLst>
+                                      </p:cBhvr>
+                                      <p:to>
+                                        <p:strVal val="visible"/>
+                                      </p:to>
+                                    </p:set>
+                                    <p:animEffect transition="in" filter="fade">
+                                      <p:cBhvr>
+                                        <p:cTn id="68" dur="500"/>
+                                        <p:tgtEl>
+                                          <p:spTgt spid="17"/>
+                                        </p:tgtEl>
+                                      </p:cBhvr>
+                                    </p:animEffect>
+                                  </p:childTnLst>
+                                </p:cTn>
+                              </p:par>
+                            </p:childTnLst>
+                          </p:cTn>
+                        </p:par>
+                      </p:childTnLst>
+                    </p:cTn>
+                  </p:par>
+                  <p:par>
+                    <p:cTn id="69" fill="hold">
+                      <p:stCondLst>
+                        <p:cond delay="indefinite"/>
+                      </p:stCondLst>
+                      <p:childTnLst>
+                        <p:par>
+                          <p:cTn id="70" fill="hold">
+                            <p:stCondLst>
+                              <p:cond delay="0"/>
+                            </p:stCondLst>
+                            <p:childTnLst>
+                              <p:par>
+                                <p:cTn id="71" presetID="10" presetClass="entr" presetSubtype="0" fill="hold" grpId="0" nodeType="clickEffect">
+                                  <p:stCondLst>
+                                    <p:cond delay="0"/>
+                                  </p:stCondLst>
+                                  <p:childTnLst>
+                                    <p:set>
+                                      <p:cBhvr>
+                                        <p:cTn id="72" dur="1" fill="hold">
+                                          <p:stCondLst>
+                                            <p:cond delay="0"/>
+                                          </p:stCondLst>
+                                        </p:cTn>
+                                        <p:tgtEl>
+                                          <p:spTgt spid="18"/>
+                                        </p:tgtEl>
+                                        <p:attrNameLst>
+                                          <p:attrName>style.visibility</p:attrName>
+                                        </p:attrNameLst>
+                                      </p:cBhvr>
+                                      <p:to>
+                                        <p:strVal val="visible"/>
+                                      </p:to>
+                                    </p:set>
+                                    <p:animEffect transition="in" filter="fade">
+                                      <p:cBhvr>
+                                        <p:cTn id="73" dur="500"/>
+                                        <p:tgtEl>
+                                          <p:spTgt spid="18"/>
+                                        </p:tgtEl>
+                                      </p:cBhvr>
+                                    </p:animEffect>
+                                  </p:childTnLst>
+                                </p:cTn>
+                              </p:par>
+                            </p:childTnLst>
+                          </p:cTn>
+                        </p:par>
+                      </p:childTnLst>
+                    </p:cTn>
+                  </p:par>
+                  <p:par>
+                    <p:cTn id="74" fill="hold">
+                      <p:stCondLst>
+                        <p:cond delay="indefinite"/>
+                      </p:stCondLst>
+                      <p:childTnLst>
+                        <p:par>
+                          <p:cTn id="75" fill="hold">
+                            <p:stCondLst>
+                              <p:cond delay="0"/>
+                            </p:stCondLst>
+                            <p:childTnLst>
+                              <p:par>
+                                <p:cTn id="76" presetID="10" presetClass="entr" presetSubtype="0" fill="hold" grpId="0" nodeType="clickEffect">
+                                  <p:stCondLst>
+                                    <p:cond delay="0"/>
+                                  </p:stCondLst>
+                                  <p:childTnLst>
+                                    <p:set>
+                                      <p:cBhvr>
+                                        <p:cTn id="77" dur="1" fill="hold">
+                                          <p:stCondLst>
+                                            <p:cond delay="0"/>
+                                          </p:stCondLst>
+                                        </p:cTn>
+                                        <p:tgtEl>
+                                          <p:spTgt spid="26"/>
+                                        </p:tgtEl>
+                                        <p:attrNameLst>
+                                          <p:attrName>style.visibility</p:attrName>
+                                        </p:attrNameLst>
+                                      </p:cBhvr>
+                                      <p:to>
+                                        <p:strVal val="visible"/>
+                                      </p:to>
+                                    </p:set>
+                                    <p:animEffect transition="in" filter="fade">
+                                      <p:cBhvr>
+                                        <p:cTn id="78" dur="500"/>
+                                        <p:tgtEl>
+                                          <p:spTgt spid="26"/>
+                                        </p:tgtEl>
+                                      </p:cBhvr>
+                                    </p:animEffect>
+                                  </p:childTnLst>
+                                </p:cTn>
+                              </p:par>
+                            </p:childTnLst>
+                          </p:cTn>
+                        </p:par>
+                      </p:childTnLst>
+                    </p:cTn>
+                  </p:par>
                 </p:childTnLst>
               </p:cTn>
               <p:prevCondLst>
@@ -7892,6 +8512,11 @@
       <p:bldP spid="127" grpId="0" animBg="1"/>
       <p:bldP spid="19" grpId="0" animBg="1"/>
       <p:bldP spid="22" grpId="0" animBg="1"/>
+      <p:bldP spid="3" grpId="0"/>
+      <p:bldP spid="16" grpId="0"/>
+      <p:bldP spid="17" grpId="0"/>
+      <p:bldP spid="18" grpId="0"/>
+      <p:bldP spid="26" grpId="0" animBg="1"/>
     </p:bldLst>
   </p:timing>
 </p:sld>
@@ -9613,14 +10238,259 @@
                             </p:stCondLst>
                             <p:childTnLst>
                               <p:par>
-                                <p:cTn id="5" presetID="36" presetClass="path" presetSubtype="0" accel="50000" decel="50000" fill="hold" grpId="0" nodeType="clickEffect">
+                                <p:cTn id="5" presetID="10" presetClass="entr" presetSubtype="0" fill="hold" grpId="0" nodeType="clickEffect">
+                                  <p:stCondLst>
+                                    <p:cond delay="0"/>
+                                  </p:stCondLst>
+                                  <p:childTnLst>
+                                    <p:set>
+                                      <p:cBhvr>
+                                        <p:cTn id="6" dur="1" fill="hold">
+                                          <p:stCondLst>
+                                            <p:cond delay="0"/>
+                                          </p:stCondLst>
+                                        </p:cTn>
+                                        <p:tgtEl>
+                                          <p:spTgt spid="3">
+                                            <p:txEl>
+                                              <p:pRg st="0" end="0"/>
+                                            </p:txEl>
+                                          </p:spTgt>
+                                        </p:tgtEl>
+                                        <p:attrNameLst>
+                                          <p:attrName>style.visibility</p:attrName>
+                                        </p:attrNameLst>
+                                      </p:cBhvr>
+                                      <p:to>
+                                        <p:strVal val="visible"/>
+                                      </p:to>
+                                    </p:set>
+                                    <p:animEffect transition="in" filter="fade">
+                                      <p:cBhvr>
+                                        <p:cTn id="7" dur="500"/>
+                                        <p:tgtEl>
+                                          <p:spTgt spid="3">
+                                            <p:txEl>
+                                              <p:pRg st="0" end="0"/>
+                                            </p:txEl>
+                                          </p:spTgt>
+                                        </p:tgtEl>
+                                      </p:cBhvr>
+                                    </p:animEffect>
+                                  </p:childTnLst>
+                                </p:cTn>
+                              </p:par>
+                            </p:childTnLst>
+                          </p:cTn>
+                        </p:par>
+                      </p:childTnLst>
+                    </p:cTn>
+                  </p:par>
+                  <p:par>
+                    <p:cTn id="8" fill="hold">
+                      <p:stCondLst>
+                        <p:cond delay="indefinite"/>
+                      </p:stCondLst>
+                      <p:childTnLst>
+                        <p:par>
+                          <p:cTn id="9" fill="hold">
+                            <p:stCondLst>
+                              <p:cond delay="0"/>
+                            </p:stCondLst>
+                            <p:childTnLst>
+                              <p:par>
+                                <p:cTn id="10" presetID="10" presetClass="entr" presetSubtype="0" fill="hold" grpId="0" nodeType="clickEffect">
+                                  <p:stCondLst>
+                                    <p:cond delay="0"/>
+                                  </p:stCondLst>
+                                  <p:childTnLst>
+                                    <p:set>
+                                      <p:cBhvr>
+                                        <p:cTn id="11" dur="1" fill="hold">
+                                          <p:stCondLst>
+                                            <p:cond delay="0"/>
+                                          </p:stCondLst>
+                                        </p:cTn>
+                                        <p:tgtEl>
+                                          <p:spTgt spid="3">
+                                            <p:txEl>
+                                              <p:pRg st="1" end="1"/>
+                                            </p:txEl>
+                                          </p:spTgt>
+                                        </p:tgtEl>
+                                        <p:attrNameLst>
+                                          <p:attrName>style.visibility</p:attrName>
+                                        </p:attrNameLst>
+                                      </p:cBhvr>
+                                      <p:to>
+                                        <p:strVal val="visible"/>
+                                      </p:to>
+                                    </p:set>
+                                    <p:animEffect transition="in" filter="fade">
+                                      <p:cBhvr>
+                                        <p:cTn id="12" dur="500"/>
+                                        <p:tgtEl>
+                                          <p:spTgt spid="3">
+                                            <p:txEl>
+                                              <p:pRg st="1" end="1"/>
+                                            </p:txEl>
+                                          </p:spTgt>
+                                        </p:tgtEl>
+                                      </p:cBhvr>
+                                    </p:animEffect>
+                                  </p:childTnLst>
+                                </p:cTn>
+                              </p:par>
+                            </p:childTnLst>
+                          </p:cTn>
+                        </p:par>
+                      </p:childTnLst>
+                    </p:cTn>
+                  </p:par>
+                  <p:par>
+                    <p:cTn id="13" fill="hold">
+                      <p:stCondLst>
+                        <p:cond delay="indefinite"/>
+                      </p:stCondLst>
+                      <p:childTnLst>
+                        <p:par>
+                          <p:cTn id="14" fill="hold">
+                            <p:stCondLst>
+                              <p:cond delay="0"/>
+                            </p:stCondLst>
+                            <p:childTnLst>
+                              <p:par>
+                                <p:cTn id="15" presetID="10" presetClass="entr" presetSubtype="0" fill="hold" grpId="1" nodeType="clickEffect">
+                                  <p:stCondLst>
+                                    <p:cond delay="0"/>
+                                  </p:stCondLst>
+                                  <p:childTnLst>
+                                    <p:set>
+                                      <p:cBhvr>
+                                        <p:cTn id="16" dur="1" fill="hold">
+                                          <p:stCondLst>
+                                            <p:cond delay="0"/>
+                                          </p:stCondLst>
+                                        </p:cTn>
+                                        <p:tgtEl>
+                                          <p:spTgt spid="5"/>
+                                        </p:tgtEl>
+                                        <p:attrNameLst>
+                                          <p:attrName>style.visibility</p:attrName>
+                                        </p:attrNameLst>
+                                      </p:cBhvr>
+                                      <p:to>
+                                        <p:strVal val="visible"/>
+                                      </p:to>
+                                    </p:set>
+                                    <p:animEffect transition="in" filter="fade">
+                                      <p:cBhvr>
+                                        <p:cTn id="17" dur="500"/>
+                                        <p:tgtEl>
+                                          <p:spTgt spid="5"/>
+                                        </p:tgtEl>
+                                      </p:cBhvr>
+                                    </p:animEffect>
+                                  </p:childTnLst>
+                                </p:cTn>
+                              </p:par>
+                              <p:par>
+                                <p:cTn id="18" presetID="10" presetClass="entr" presetSubtype="0" fill="hold" grpId="0" nodeType="withEffect">
+                                  <p:stCondLst>
+                                    <p:cond delay="0"/>
+                                  </p:stCondLst>
+                                  <p:childTnLst>
+                                    <p:set>
+                                      <p:cBhvr>
+                                        <p:cTn id="19" dur="1" fill="hold">
+                                          <p:stCondLst>
+                                            <p:cond delay="0"/>
+                                          </p:stCondLst>
+                                        </p:cTn>
+                                        <p:tgtEl>
+                                          <p:spTgt spid="4"/>
+                                        </p:tgtEl>
+                                        <p:attrNameLst>
+                                          <p:attrName>style.visibility</p:attrName>
+                                        </p:attrNameLst>
+                                      </p:cBhvr>
+                                      <p:to>
+                                        <p:strVal val="visible"/>
+                                      </p:to>
+                                    </p:set>
+                                    <p:animEffect transition="in" filter="fade">
+                                      <p:cBhvr>
+                                        <p:cTn id="20" dur="500"/>
+                                        <p:tgtEl>
+                                          <p:spTgt spid="4"/>
+                                        </p:tgtEl>
+                                      </p:cBhvr>
+                                    </p:animEffect>
+                                  </p:childTnLst>
+                                </p:cTn>
+                              </p:par>
+                              <p:par>
+                                <p:cTn id="21" presetID="10" presetClass="entr" presetSubtype="0" fill="hold" grpId="4" nodeType="withEffect">
+                                  <p:stCondLst>
+                                    <p:cond delay="0"/>
+                                  </p:stCondLst>
+                                  <p:childTnLst>
+                                    <p:set>
+                                      <p:cBhvr>
+                                        <p:cTn id="22" dur="1" fill="hold">
+                                          <p:stCondLst>
+                                            <p:cond delay="0"/>
+                                          </p:stCondLst>
+                                        </p:cTn>
+                                        <p:tgtEl>
+                                          <p:spTgt spid="6"/>
+                                        </p:tgtEl>
+                                        <p:attrNameLst>
+                                          <p:attrName>style.visibility</p:attrName>
+                                        </p:attrNameLst>
+                                      </p:cBhvr>
+                                      <p:to>
+                                        <p:strVal val="visible"/>
+                                      </p:to>
+                                    </p:set>
+                                    <p:animEffect transition="in" filter="fade">
+                                      <p:cBhvr>
+                                        <p:cTn id="23" dur="500"/>
+                                        <p:tgtEl>
+                                          <p:spTgt spid="6"/>
+                                        </p:tgtEl>
+                                      </p:cBhvr>
+                                    </p:animEffect>
+                                  </p:childTnLst>
+                                </p:cTn>
+                              </p:par>
+                            </p:childTnLst>
+                          </p:cTn>
+                        </p:par>
+                      </p:childTnLst>
+                    </p:cTn>
+                  </p:par>
+                  <p:par>
+                    <p:cTn id="24" fill="hold">
+                      <p:stCondLst>
+                        <p:cond delay="indefinite"/>
+                      </p:stCondLst>
+                      <p:childTnLst>
+                        <p:par>
+                          <p:cTn id="25" fill="hold">
+                            <p:stCondLst>
+                              <p:cond delay="0"/>
+                            </p:stCondLst>
+                            <p:childTnLst>
+                              <p:par>
+                                <p:cTn id="26" presetID="36" presetClass="path" presetSubtype="0" accel="50000" decel="50000" fill="hold" grpId="0" nodeType="clickEffect">
                                   <p:stCondLst>
                                     <p:cond delay="0"/>
                                   </p:stCondLst>
                                   <p:childTnLst>
                                     <p:animMotion origin="layout" path="M 0.00052 -0.00023 L 0.00052 0.06134 C 0.00052 0.08889 -0.03932 0.12292 -0.07161 0.12292 L -0.14362 0.12292 " pathEditMode="relative" rAng="0" ptsTypes="AAAA">
                                       <p:cBhvr>
-                                        <p:cTn id="6" dur="2000" fill="hold"/>
+                                        <p:cTn id="27" dur="2000" fill="hold"/>
                                         <p:tgtEl>
                                           <p:spTgt spid="5"/>
                                         </p:tgtEl>
@@ -9635,14 +10505,14 @@
                                 </p:cTn>
                               </p:par>
                               <p:par>
-                                <p:cTn id="7" presetID="10" presetClass="exit" presetSubtype="0" fill="hold" grpId="0" nodeType="withEffect">
+                                <p:cTn id="28" presetID="10" presetClass="exit" presetSubtype="0" fill="hold" grpId="0" nodeType="withEffect">
                                   <p:stCondLst>
                                     <p:cond delay="0"/>
                                   </p:stCondLst>
                                   <p:childTnLst>
                                     <p:animEffect transition="out" filter="fade">
                                       <p:cBhvr>
-                                        <p:cTn id="8" dur="500"/>
+                                        <p:cTn id="29" dur="500"/>
                                         <p:tgtEl>
                                           <p:spTgt spid="6"/>
                                         </p:tgtEl>
@@ -9650,7 +10520,7 @@
                                     </p:animEffect>
                                     <p:set>
                                       <p:cBhvr>
-                                        <p:cTn id="9" dur="1" fill="hold">
+                                        <p:cTn id="30" dur="1" fill="hold">
                                           <p:stCondLst>
                                             <p:cond delay="499"/>
                                           </p:stCondLst>
@@ -9676,26 +10546,79 @@
                     </p:cTn>
                   </p:par>
                   <p:par>
-                    <p:cTn id="10" fill="hold">
+                    <p:cTn id="31" fill="hold">
                       <p:stCondLst>
                         <p:cond delay="indefinite"/>
                       </p:stCondLst>
                       <p:childTnLst>
                         <p:par>
-                          <p:cTn id="11" fill="hold">
+                          <p:cTn id="32" fill="hold">
                             <p:stCondLst>
                               <p:cond delay="0"/>
                             </p:stCondLst>
                             <p:childTnLst>
                               <p:par>
-                                <p:cTn id="12" presetID="10" presetClass="entr" presetSubtype="0" fill="hold" grpId="1" nodeType="clickEffect">
+                                <p:cTn id="33" presetID="10" presetClass="entr" presetSubtype="0" fill="hold" grpId="0" nodeType="clickEffect">
                                   <p:stCondLst>
                                     <p:cond delay="0"/>
                                   </p:stCondLst>
                                   <p:childTnLst>
                                     <p:set>
                                       <p:cBhvr>
-                                        <p:cTn id="13" dur="1" fill="hold">
+                                        <p:cTn id="34" dur="1" fill="hold">
+                                          <p:stCondLst>
+                                            <p:cond delay="0"/>
+                                          </p:stCondLst>
+                                        </p:cTn>
+                                        <p:tgtEl>
+                                          <p:spTgt spid="9"/>
+                                        </p:tgtEl>
+                                        <p:attrNameLst>
+                                          <p:attrName>style.visibility</p:attrName>
+                                        </p:attrNameLst>
+                                      </p:cBhvr>
+                                      <p:to>
+                                        <p:strVal val="visible"/>
+                                      </p:to>
+                                    </p:set>
+                                    <p:animEffect transition="in" filter="fade">
+                                      <p:cBhvr>
+                                        <p:cTn id="35" dur="500"/>
+                                        <p:tgtEl>
+                                          <p:spTgt spid="9"/>
+                                        </p:tgtEl>
+                                      </p:cBhvr>
+                                    </p:animEffect>
+                                  </p:childTnLst>
+                                </p:cTn>
+                              </p:par>
+                            </p:childTnLst>
+                          </p:cTn>
+                        </p:par>
+                      </p:childTnLst>
+                    </p:cTn>
+                  </p:par>
+                  <p:par>
+                    <p:cTn id="36" fill="hold">
+                      <p:stCondLst>
+                        <p:cond delay="indefinite"/>
+                      </p:stCondLst>
+                      <p:childTnLst>
+                        <p:par>
+                          <p:cTn id="37" fill="hold">
+                            <p:stCondLst>
+                              <p:cond delay="0"/>
+                            </p:stCondLst>
+                            <p:childTnLst>
+                              <p:par>
+                                <p:cTn id="38" presetID="10" presetClass="entr" presetSubtype="0" fill="hold" grpId="1" nodeType="clickEffect">
+                                  <p:stCondLst>
+                                    <p:cond delay="0"/>
+                                  </p:stCondLst>
+                                  <p:childTnLst>
+                                    <p:set>
+                                      <p:cBhvr>
+                                        <p:cTn id="39" dur="1" fill="hold">
                                           <p:stCondLst>
                                             <p:cond delay="0"/>
                                           </p:stCondLst>
@@ -9713,7 +10636,7 @@
                                     </p:set>
                                     <p:animEffect transition="in" filter="fade">
                                       <p:cBhvr>
-                                        <p:cTn id="14" dur="500"/>
+                                        <p:cTn id="40" dur="500"/>
                                         <p:tgtEl>
                                           <p:spTgt spid="8"/>
                                         </p:tgtEl>
@@ -9723,14 +10646,14 @@
                                 </p:cTn>
                               </p:par>
                               <p:par>
-                                <p:cTn id="15" presetID="42" presetClass="path" presetSubtype="0" accel="50000" decel="50000" fill="hold" grpId="2" nodeType="withEffect">
+                                <p:cTn id="41" presetID="42" presetClass="path" presetSubtype="0" accel="50000" decel="50000" fill="hold" grpId="2" nodeType="withEffect">
                                   <p:stCondLst>
                                     <p:cond delay="0"/>
                                   </p:stCondLst>
                                   <p:childTnLst>
                                     <p:animMotion origin="layout" path="M -1.66667E-6 1.85185E-6 L 0.07709 -0.00046 " pathEditMode="relative" rAng="0" ptsTypes="AA">
                                       <p:cBhvr>
-                                        <p:cTn id="16" dur="2000" fill="hold"/>
+                                        <p:cTn id="42" dur="2000" fill="hold"/>
                                         <p:tgtEl>
                                           <p:spTgt spid="8"/>
                                         </p:tgtEl>
@@ -9751,26 +10674,26 @@
                     </p:cTn>
                   </p:par>
                   <p:par>
-                    <p:cTn id="17" fill="hold">
+                    <p:cTn id="43" fill="hold">
                       <p:stCondLst>
                         <p:cond delay="indefinite"/>
                       </p:stCondLst>
                       <p:childTnLst>
                         <p:par>
-                          <p:cTn id="18" fill="hold">
+                          <p:cTn id="44" fill="hold">
                             <p:stCondLst>
                               <p:cond delay="0"/>
                             </p:stCondLst>
                             <p:childTnLst>
                               <p:par>
-                                <p:cTn id="19" presetID="10" presetClass="entr" presetSubtype="0" fill="hold" grpId="1" nodeType="clickEffect">
+                                <p:cTn id="45" presetID="10" presetClass="entr" presetSubtype="0" fill="hold" grpId="1" nodeType="clickEffect">
                                   <p:stCondLst>
                                     <p:cond delay="0"/>
                                   </p:stCondLst>
                                   <p:childTnLst>
                                     <p:set>
                                       <p:cBhvr>
-                                        <p:cTn id="20" dur="1" fill="hold">
+                                        <p:cTn id="46" dur="1" fill="hold">
                                           <p:stCondLst>
                                             <p:cond delay="0"/>
                                           </p:stCondLst>
@@ -9788,7 +10711,7 @@
                                     </p:set>
                                     <p:animEffect transition="in" filter="fade">
                                       <p:cBhvr>
-                                        <p:cTn id="21" dur="500"/>
+                                        <p:cTn id="47" dur="500"/>
                                         <p:tgtEl>
                                           <p:spTgt spid="6"/>
                                         </p:tgtEl>
@@ -9798,14 +10721,14 @@
                                 </p:cTn>
                               </p:par>
                               <p:par>
-                                <p:cTn id="22" presetID="50" presetClass="path" presetSubtype="0" accel="50000" decel="50000" fill="hold" grpId="3" nodeType="withEffect">
+                                <p:cTn id="48" presetID="50" presetClass="path" presetSubtype="0" accel="50000" decel="50000" fill="hold" grpId="3" nodeType="withEffect">
                                   <p:stCondLst>
                                     <p:cond delay="0"/>
                                   </p:stCondLst>
                                   <p:childTnLst>
                                     <p:animMotion origin="layout" path="M 0.07709 -0.00046 L 0.11016 -0.00046 C 0.12487 -0.00046 0.14336 -0.03472 0.14336 -0.06204 L 0.14336 -0.12338 " pathEditMode="relative" rAng="0" ptsTypes="AAAA">
                                       <p:cBhvr>
-                                        <p:cTn id="23" dur="2000" fill="hold"/>
+                                        <p:cTn id="49" dur="2000" fill="hold"/>
                                         <p:tgtEl>
                                           <p:spTgt spid="8"/>
                                         </p:tgtEl>
@@ -9826,26 +10749,79 @@
                     </p:cTn>
                   </p:par>
                   <p:par>
-                    <p:cTn id="24" fill="hold">
+                    <p:cTn id="50" fill="hold">
                       <p:stCondLst>
                         <p:cond delay="indefinite"/>
                       </p:stCondLst>
                       <p:childTnLst>
                         <p:par>
-                          <p:cTn id="25" fill="hold">
+                          <p:cTn id="51" fill="hold">
                             <p:stCondLst>
                               <p:cond delay="0"/>
                             </p:stCondLst>
                             <p:childTnLst>
                               <p:par>
-                                <p:cTn id="26" presetID="42" presetClass="path" presetSubtype="0" accel="50000" decel="50000" fill="hold" grpId="2" nodeType="clickEffect">
+                                <p:cTn id="52" presetID="10" presetClass="entr" presetSubtype="0" fill="hold" grpId="0" nodeType="clickEffect">
+                                  <p:stCondLst>
+                                    <p:cond delay="0"/>
+                                  </p:stCondLst>
+                                  <p:childTnLst>
+                                    <p:set>
+                                      <p:cBhvr>
+                                        <p:cTn id="53" dur="1" fill="hold">
+                                          <p:stCondLst>
+                                            <p:cond delay="0"/>
+                                          </p:stCondLst>
+                                        </p:cTn>
+                                        <p:tgtEl>
+                                          <p:spTgt spid="10"/>
+                                        </p:tgtEl>
+                                        <p:attrNameLst>
+                                          <p:attrName>style.visibility</p:attrName>
+                                        </p:attrNameLst>
+                                      </p:cBhvr>
+                                      <p:to>
+                                        <p:strVal val="visible"/>
+                                      </p:to>
+                                    </p:set>
+                                    <p:animEffect transition="in" filter="fade">
+                                      <p:cBhvr>
+                                        <p:cTn id="54" dur="500"/>
+                                        <p:tgtEl>
+                                          <p:spTgt spid="10"/>
+                                        </p:tgtEl>
+                                      </p:cBhvr>
+                                    </p:animEffect>
+                                  </p:childTnLst>
+                                </p:cTn>
+                              </p:par>
+                            </p:childTnLst>
+                          </p:cTn>
+                        </p:par>
+                      </p:childTnLst>
+                    </p:cTn>
+                  </p:par>
+                  <p:par>
+                    <p:cTn id="55" fill="hold">
+                      <p:stCondLst>
+                        <p:cond delay="indefinite"/>
+                      </p:stCondLst>
+                      <p:childTnLst>
+                        <p:par>
+                          <p:cTn id="56" fill="hold">
+                            <p:stCondLst>
+                              <p:cond delay="0"/>
+                            </p:stCondLst>
+                            <p:childTnLst>
+                              <p:par>
+                                <p:cTn id="57" presetID="42" presetClass="path" presetSubtype="0" accel="50000" decel="50000" fill="hold" grpId="2" nodeType="clickEffect">
                                   <p:stCondLst>
                                     <p:cond delay="0"/>
                                   </p:stCondLst>
                                   <p:childTnLst>
                                     <p:animMotion origin="layout" path="M -2.5E-6 -1.48148E-6 L 0.0017 0.12246 " pathEditMode="relative" rAng="0" ptsTypes="AA">
                                       <p:cBhvr>
-                                        <p:cTn id="27" dur="2000" fill="hold"/>
+                                        <p:cTn id="58" dur="2000" fill="hold"/>
                                         <p:tgtEl>
                                           <p:spTgt spid="6"/>
                                         </p:tgtEl>
@@ -9860,14 +10836,14 @@
                                 </p:cTn>
                               </p:par>
                               <p:par>
-                                <p:cTn id="28" presetID="42" presetClass="path" presetSubtype="0" accel="50000" decel="50000" fill="hold" grpId="4" nodeType="withEffect">
+                                <p:cTn id="59" presetID="42" presetClass="path" presetSubtype="0" accel="50000" decel="50000" fill="hold" grpId="4" nodeType="withEffect">
                                   <p:stCondLst>
                                     <p:cond delay="0"/>
                                   </p:stCondLst>
                                   <p:childTnLst>
                                     <p:animMotion origin="layout" path="M 0.14336 -0.12338 L 0.1431 -0.00255 " pathEditMode="relative" rAng="0" ptsTypes="AA">
                                       <p:cBhvr>
-                                        <p:cTn id="29" dur="2000" fill="hold"/>
+                                        <p:cTn id="60" dur="2000" fill="hold"/>
                                         <p:tgtEl>
                                           <p:spTgt spid="8"/>
                                         </p:tgtEl>
@@ -9888,26 +10864,26 @@
                     </p:cTn>
                   </p:par>
                   <p:par>
-                    <p:cTn id="30" fill="hold">
+                    <p:cTn id="61" fill="hold">
                       <p:stCondLst>
                         <p:cond delay="indefinite"/>
                       </p:stCondLst>
                       <p:childTnLst>
                         <p:par>
-                          <p:cTn id="31" fill="hold">
+                          <p:cTn id="62" fill="hold">
                             <p:stCondLst>
                               <p:cond delay="0"/>
                             </p:stCondLst>
                             <p:childTnLst>
                               <p:par>
-                                <p:cTn id="32" presetID="36" presetClass="path" presetSubtype="0" accel="50000" decel="50000" fill="hold" grpId="5" nodeType="clickEffect">
+                                <p:cTn id="63" presetID="36" presetClass="path" presetSubtype="0" accel="50000" decel="50000" fill="hold" grpId="5" nodeType="clickEffect">
                                   <p:stCondLst>
                                     <p:cond delay="0"/>
                                   </p:stCondLst>
                                   <p:childTnLst>
                                     <p:animMotion origin="layout" path="M 0.1431 -0.00255 L 0.1431 0.05903 C 0.1431 0.08657 0.10352 0.12083 0.07149 0.12083 L -1.66667E-6 0.12083 " pathEditMode="relative" rAng="0" ptsTypes="AAAA">
                                       <p:cBhvr>
-                                        <p:cTn id="33" dur="2000" fill="hold"/>
+                                        <p:cTn id="64" dur="2000" fill="hold"/>
                                         <p:tgtEl>
                                           <p:spTgt spid="8"/>
                                         </p:tgtEl>
@@ -9922,14 +10898,14 @@
                                 </p:cTn>
                               </p:par>
                               <p:par>
-                                <p:cTn id="34" presetID="10" presetClass="exit" presetSubtype="0" fill="hold" grpId="3" nodeType="withEffect">
+                                <p:cTn id="65" presetID="10" presetClass="exit" presetSubtype="0" fill="hold" grpId="3" nodeType="withEffect">
                                   <p:stCondLst>
                                     <p:cond delay="0"/>
                                   </p:stCondLst>
                                   <p:childTnLst>
                                     <p:animEffect transition="out" filter="fade">
                                       <p:cBhvr>
-                                        <p:cTn id="35" dur="500"/>
+                                        <p:cTn id="66" dur="500"/>
                                         <p:tgtEl>
                                           <p:spTgt spid="6"/>
                                         </p:tgtEl>
@@ -9937,7 +10913,7 @@
                                     </p:animEffect>
                                     <p:set>
                                       <p:cBhvr>
-                                        <p:cTn id="36" dur="1" fill="hold">
+                                        <p:cTn id="67" dur="1" fill="hold">
                                           <p:stCondLst>
                                             <p:cond delay="499"/>
                                           </p:stCondLst>
@@ -9984,16 +10960,22 @@
       </p:par>
     </p:tnLst>
     <p:bldLst>
+      <p:bldP spid="3" grpId="0" build="p"/>
+      <p:bldP spid="4" grpId="0" animBg="1"/>
       <p:bldP spid="5" grpId="0" animBg="1"/>
+      <p:bldP spid="5" grpId="1" animBg="1"/>
       <p:bldP spid="6" grpId="0"/>
       <p:bldP spid="6" grpId="1"/>
       <p:bldP spid="6" grpId="2"/>
       <p:bldP spid="6" grpId="3"/>
+      <p:bldP spid="6" grpId="4"/>
       <p:bldP spid="8" grpId="1" animBg="1"/>
       <p:bldP spid="8" grpId="2" animBg="1"/>
       <p:bldP spid="8" grpId="3" animBg="1"/>
       <p:bldP spid="8" grpId="4" animBg="1"/>
       <p:bldP spid="8" grpId="5" animBg="1"/>
+      <p:bldP spid="9" grpId="0" animBg="1"/>
+      <p:bldP spid="10" grpId="0" animBg="1"/>
     </p:bldLst>
   </p:timing>
 </p:sld>
@@ -10556,7 +11538,7 @@
 
 <file path=customXml/item1.xml><?xml version="1.0" encoding="utf-8"?>
 <Control xmlns="http://schemas.microsoft.com/VisualStudio/2011/storyboarding/control">
-  <Id Name="System.Storyboarding.Backgrounds.DesktopTaskbar" Revision="1" Stencil="System.Storyboarding.Backgrounds" StencilVersion="0.1"/>
+  <Id Name="System.Storyboarding.Annotation.AnimatedBanner" Revision="1" Stencil="System.Storyboarding.Annotation" StencilVersion="0.1"/>
 </Control>
 </file>
 
@@ -10568,12 +11550,12 @@
 
 <file path=customXml/item3.xml><?xml version="1.0" encoding="utf-8"?>
 <Control xmlns="http://schemas.microsoft.com/VisualStudio/2011/storyboarding/control">
-  <Id Name="System.Storyboarding.Annotation.AnimatedBanner" Revision="1" Stencil="System.Storyboarding.Annotation" StencilVersion="0.1"/>
+  <Id Name="System.Storyboarding.Backgrounds.DesktopTaskbar" Revision="1" Stencil="System.Storyboarding.Backgrounds" StencilVersion="0.1"/>
 </Control>
 </file>
 
 <file path=customXml/itemProps1.xml><?xml version="1.0" encoding="utf-8"?>
-<ds:datastoreItem xmlns:ds="http://schemas.openxmlformats.org/officeDocument/2006/customXml" ds:itemID="{0F6A5D32-DA03-4467-9ED3-DD2CC5155D74}">
+<ds:datastoreItem xmlns:ds="http://schemas.openxmlformats.org/officeDocument/2006/customXml" ds:itemID="{1386D501-B25E-4C08-BDF5-5C438F72CD33}">
   <ds:schemaRefs>
     <ds:schemaRef ds:uri="http://schemas.microsoft.com/VisualStudio/2011/storyboarding/control"/>
   </ds:schemaRefs>
@@ -10589,7 +11571,7 @@
 </file>
 
 <file path=customXml/itemProps3.xml><?xml version="1.0" encoding="utf-8"?>
-<ds:datastoreItem xmlns:ds="http://schemas.openxmlformats.org/officeDocument/2006/customXml" ds:itemID="{1386D501-B25E-4C08-BDF5-5C438F72CD33}">
+<ds:datastoreItem xmlns:ds="http://schemas.openxmlformats.org/officeDocument/2006/customXml" ds:itemID="{0F6A5D32-DA03-4467-9ED3-DD2CC5155D74}">
   <ds:schemaRefs>
     <ds:schemaRef ds:uri="http://schemas.microsoft.com/VisualStudio/2011/storyboarding/control"/>
   </ds:schemaRefs>
